--- a/Assets/Images/Apresentação2.pptx
+++ b/Assets/Images/Apresentação2.pptx
@@ -6,6 +6,8 @@
   </p:sldMasterIdLst>
   <p:sldIdLst>
     <p:sldId id="256" r:id="rId2"/>
+    <p:sldId id="257" r:id="rId3"/>
+    <p:sldId id="258" r:id="rId4"/>
   </p:sldIdLst>
   <p:sldSz cx="12192000" cy="6858000"/>
   <p:notesSz cx="6858000" cy="9144000"/>
@@ -3408,14 +3410,16 @@
         </p:nvSpPr>
         <p:spPr>
           <a:xfrm>
-            <a:off x="3224463" y="-76200"/>
+            <a:off x="2919665" y="-76200"/>
             <a:ext cx="12448674" cy="7010400"/>
           </a:xfrm>
           <a:prstGeom prst="chevron">
             <a:avLst/>
           </a:prstGeom>
           <a:solidFill>
-            <a:srgbClr val="0070C0"/>
+            <a:schemeClr val="accent2">
+              <a:lumMod val="50000"/>
+            </a:schemeClr>
           </a:solidFill>
           <a:ln>
             <a:noFill/>
@@ -3488,10 +3492,10 @@
       </p:pic>
       <p:sp>
         <p:nvSpPr>
-          <p:cNvPr id="8" name="Retângulo 7">
-            <a:extLst>
-              <a:ext uri="{FF2B5EF4-FFF2-40B4-BE49-F238E27FC236}">
-                <a16:creationId xmlns:a16="http://schemas.microsoft.com/office/drawing/2014/main" id="{CE2811AD-5A31-6D2F-16DD-889095F49910}"/>
+          <p:cNvPr id="9" name="Seta: Divisa 8">
+            <a:extLst>
+              <a:ext uri="{FF2B5EF4-FFF2-40B4-BE49-F238E27FC236}">
+                <a16:creationId xmlns:a16="http://schemas.microsoft.com/office/drawing/2014/main" id="{7075955D-306A-43A0-7248-3A617106BC4B}"/>
               </a:ext>
             </a:extLst>
           </p:cNvPr>
@@ -3500,61 +3504,702 @@
         </p:nvSpPr>
         <p:spPr>
           <a:xfrm>
-            <a:off x="6631653" y="2391416"/>
-            <a:ext cx="5143251" cy="1754326"/>
+            <a:off x="3879059" y="-80210"/>
+            <a:ext cx="12448674" cy="7010400"/>
+          </a:xfrm>
+          <a:prstGeom prst="chevron">
+            <a:avLst/>
+          </a:prstGeom>
+          <a:solidFill>
+            <a:srgbClr val="AEAEAE"/>
+          </a:solidFill>
+          <a:ln>
+            <a:noFill/>
+          </a:ln>
+        </p:spPr>
+        <p:style>
+          <a:lnRef idx="2">
+            <a:schemeClr val="accent1">
+              <a:shade val="15000"/>
+            </a:schemeClr>
+          </a:lnRef>
+          <a:fillRef idx="1">
+            <a:schemeClr val="accent1"/>
+          </a:fillRef>
+          <a:effectRef idx="0">
+            <a:schemeClr val="accent1"/>
+          </a:effectRef>
+          <a:fontRef idx="minor">
+            <a:schemeClr val="lt1"/>
+          </a:fontRef>
+        </p:style>
+        <p:txBody>
+          <a:bodyPr rtlCol="0" anchor="ctr"/>
+          <a:lstStyle/>
+          <a:p>
+            <a:pPr algn="ctr"/>
+            <a:endParaRPr lang="en-US" dirty="0">
+              <a:solidFill>
+                <a:schemeClr val="tx1"/>
+              </a:solidFill>
+            </a:endParaRPr>
+          </a:p>
+        </p:txBody>
+      </p:sp>
+      <p:sp>
+        <p:nvSpPr>
+          <p:cNvPr id="10" name="Seta: Divisa 9">
+            <a:extLst>
+              <a:ext uri="{FF2B5EF4-FFF2-40B4-BE49-F238E27FC236}">
+                <a16:creationId xmlns:a16="http://schemas.microsoft.com/office/drawing/2014/main" id="{31016899-C851-5EF2-6068-55F06BB6FF4D}"/>
+              </a:ext>
+            </a:extLst>
+          </p:cNvPr>
+          <p:cNvSpPr/>
+          <p:nvPr/>
+        </p:nvSpPr>
+        <p:spPr>
+          <a:xfrm>
+            <a:off x="4363454" y="-96252"/>
+            <a:ext cx="12448674" cy="7010400"/>
+          </a:xfrm>
+          <a:prstGeom prst="chevron">
+            <a:avLst/>
+          </a:prstGeom>
+          <a:solidFill>
+            <a:schemeClr val="accent2">
+              <a:lumMod val="50000"/>
+            </a:schemeClr>
+          </a:solidFill>
+          <a:ln>
+            <a:noFill/>
+          </a:ln>
+        </p:spPr>
+        <p:style>
+          <a:lnRef idx="2">
+            <a:schemeClr val="accent1">
+              <a:shade val="15000"/>
+            </a:schemeClr>
+          </a:lnRef>
+          <a:fillRef idx="1">
+            <a:schemeClr val="accent1"/>
+          </a:fillRef>
+          <a:effectRef idx="0">
+            <a:schemeClr val="accent1"/>
+          </a:effectRef>
+          <a:fontRef idx="minor">
+            <a:schemeClr val="lt1"/>
+          </a:fontRef>
+        </p:style>
+        <p:txBody>
+          <a:bodyPr rtlCol="0" anchor="ctr"/>
+          <a:lstStyle/>
+          <a:p>
+            <a:pPr algn="ctr"/>
+            <a:endParaRPr lang="en-US" dirty="0">
+              <a:solidFill>
+                <a:schemeClr val="tx1"/>
+              </a:solidFill>
+            </a:endParaRPr>
+          </a:p>
+        </p:txBody>
+      </p:sp>
+    </p:spTree>
+    <p:extLst>
+      <p:ext uri="{BB962C8B-B14F-4D97-AF65-F5344CB8AC3E}">
+        <p14:creationId xmlns:p14="http://schemas.microsoft.com/office/powerpoint/2010/main" val="943122179"/>
+      </p:ext>
+    </p:extLst>
+  </p:cSld>
+  <p:clrMapOvr>
+    <a:masterClrMapping/>
+  </p:clrMapOvr>
+</p:sld>
+</file>
+
+<file path=ppt/slides/slide2.xml><?xml version="1.0" encoding="utf-8"?>
+<p:sld xmlns:a="http://schemas.openxmlformats.org/drawingml/2006/main" xmlns:r="http://schemas.openxmlformats.org/officeDocument/2006/relationships" xmlns:p="http://schemas.openxmlformats.org/presentationml/2006/main">
+  <p:cSld>
+    <p:spTree>
+      <p:nvGrpSpPr>
+        <p:cNvPr id="1" name="">
+          <a:extLst>
+            <a:ext uri="{FF2B5EF4-FFF2-40B4-BE49-F238E27FC236}">
+              <a16:creationId xmlns:a16="http://schemas.microsoft.com/office/drawing/2014/main" id="{B7950EB6-ECD1-CDDA-B788-9A6E5BD0A444}"/>
+            </a:ext>
+          </a:extLst>
+        </p:cNvPr>
+        <p:cNvGrpSpPr/>
+        <p:nvPr/>
+      </p:nvGrpSpPr>
+      <p:grpSpPr>
+        <a:xfrm>
+          <a:off x="0" y="0"/>
+          <a:ext cx="0" cy="0"/>
+          <a:chOff x="0" y="0"/>
+          <a:chExt cx="0" cy="0"/>
+        </a:xfrm>
+      </p:grpSpPr>
+      <p:sp>
+        <p:nvSpPr>
+          <p:cNvPr id="4" name="Retângulo 3">
+            <a:extLst>
+              <a:ext uri="{FF2B5EF4-FFF2-40B4-BE49-F238E27FC236}">
+                <a16:creationId xmlns:a16="http://schemas.microsoft.com/office/drawing/2014/main" id="{75F021F1-2281-1C54-3224-F30C78881B0A}"/>
+              </a:ext>
+            </a:extLst>
+          </p:cNvPr>
+          <p:cNvSpPr/>
+          <p:nvPr/>
+        </p:nvSpPr>
+        <p:spPr>
+          <a:xfrm>
+            <a:off x="0" y="0"/>
+            <a:ext cx="12192000" cy="6858000"/>
           </a:xfrm>
           <a:prstGeom prst="rect">
             <a:avLst/>
           </a:prstGeom>
-          <a:noFill/>
+          <a:solidFill>
+            <a:srgbClr val="AEAEAE"/>
+          </a:solidFill>
+          <a:ln>
+            <a:noFill/>
+          </a:ln>
         </p:spPr>
-        <p:txBody>
-          <a:bodyPr wrap="square" lIns="91440" tIns="45720" rIns="91440" bIns="45720">
-            <a:spAutoFit/>
-          </a:bodyPr>
+        <p:style>
+          <a:lnRef idx="2">
+            <a:schemeClr val="accent1">
+              <a:shade val="15000"/>
+            </a:schemeClr>
+          </a:lnRef>
+          <a:fillRef idx="1">
+            <a:schemeClr val="accent1"/>
+          </a:fillRef>
+          <a:effectRef idx="0">
+            <a:schemeClr val="accent1"/>
+          </a:effectRef>
+          <a:fontRef idx="minor">
+            <a:schemeClr val="lt1"/>
+          </a:fontRef>
+        </p:style>
+        <p:txBody>
+          <a:bodyPr rtlCol="0" anchor="ctr"/>
           <a:lstStyle/>
           <a:p>
             <a:pPr algn="ctr"/>
-            <a:r>
-              <a:rPr lang="en-US" sz="5400" b="1" dirty="0" err="1">
-                <a:ln w="0"/>
-                <a:solidFill>
-                  <a:schemeClr val="bg1"/>
-                </a:solidFill>
-              </a:rPr>
-              <a:t>Inovação</a:t>
-            </a:r>
-            <a:r>
-              <a:rPr lang="en-US" sz="5400" b="1" dirty="0">
-                <a:ln w="0"/>
-                <a:solidFill>
-                  <a:schemeClr val="bg1"/>
-                </a:solidFill>
-              </a:rPr>
-              <a:t>      com </a:t>
-            </a:r>
-            <a:r>
-              <a:rPr lang="en-US" sz="5400" b="1" dirty="0" err="1">
-                <a:ln w="0"/>
-                <a:solidFill>
-                  <a:schemeClr val="bg1"/>
-                </a:solidFill>
-              </a:rPr>
-              <a:t>Propósito</a:t>
-            </a:r>
-            <a:endParaRPr lang="pt-BR" sz="5400" b="1" dirty="0">
-              <a:ln w="0"/>
+            <a:endParaRPr lang="en-US" dirty="0"/>
+          </a:p>
+        </p:txBody>
+      </p:sp>
+      <p:sp>
+        <p:nvSpPr>
+          <p:cNvPr id="5" name="Seta: Divisa 4">
+            <a:extLst>
+              <a:ext uri="{FF2B5EF4-FFF2-40B4-BE49-F238E27FC236}">
+                <a16:creationId xmlns:a16="http://schemas.microsoft.com/office/drawing/2014/main" id="{5EB184E5-958D-F3FD-B940-FC25B4909247}"/>
+              </a:ext>
+            </a:extLst>
+          </p:cNvPr>
+          <p:cNvSpPr/>
+          <p:nvPr/>
+        </p:nvSpPr>
+        <p:spPr>
+          <a:xfrm>
+            <a:off x="2919665" y="-76200"/>
+            <a:ext cx="12448674" cy="7010400"/>
+          </a:xfrm>
+          <a:prstGeom prst="chevron">
+            <a:avLst/>
+          </a:prstGeom>
+          <a:solidFill>
+            <a:schemeClr val="tx2">
+              <a:lumMod val="90000"/>
+              <a:lumOff val="10000"/>
+            </a:schemeClr>
+          </a:solidFill>
+          <a:ln>
+            <a:noFill/>
+          </a:ln>
+        </p:spPr>
+        <p:style>
+          <a:lnRef idx="2">
+            <a:schemeClr val="accent1">
+              <a:shade val="15000"/>
+            </a:schemeClr>
+          </a:lnRef>
+          <a:fillRef idx="1">
+            <a:schemeClr val="accent1"/>
+          </a:fillRef>
+          <a:effectRef idx="0">
+            <a:schemeClr val="accent1"/>
+          </a:effectRef>
+          <a:fontRef idx="minor">
+            <a:schemeClr val="lt1"/>
+          </a:fontRef>
+        </p:style>
+        <p:txBody>
+          <a:bodyPr rtlCol="0" anchor="ctr"/>
+          <a:lstStyle/>
+          <a:p>
+            <a:pPr algn="ctr"/>
+            <a:endParaRPr lang="en-US" dirty="0">
               <a:solidFill>
-                <a:schemeClr val="bg1"/>
+                <a:schemeClr val="tx1"/>
               </a:solidFill>
             </a:endParaRPr>
           </a:p>
         </p:txBody>
       </p:sp>
+      <p:sp>
+        <p:nvSpPr>
+          <p:cNvPr id="9" name="Seta: Divisa 8">
+            <a:extLst>
+              <a:ext uri="{FF2B5EF4-FFF2-40B4-BE49-F238E27FC236}">
+                <a16:creationId xmlns:a16="http://schemas.microsoft.com/office/drawing/2014/main" id="{39F15C1C-FE9C-7E66-D07D-DA93168331E2}"/>
+              </a:ext>
+            </a:extLst>
+          </p:cNvPr>
+          <p:cNvSpPr/>
+          <p:nvPr/>
+        </p:nvSpPr>
+        <p:spPr>
+          <a:xfrm>
+            <a:off x="3879059" y="-80210"/>
+            <a:ext cx="12448674" cy="7010400"/>
+          </a:xfrm>
+          <a:prstGeom prst="chevron">
+            <a:avLst/>
+          </a:prstGeom>
+          <a:solidFill>
+            <a:srgbClr val="AEAEAE"/>
+          </a:solidFill>
+          <a:ln>
+            <a:noFill/>
+          </a:ln>
+        </p:spPr>
+        <p:style>
+          <a:lnRef idx="2">
+            <a:schemeClr val="accent1">
+              <a:shade val="15000"/>
+            </a:schemeClr>
+          </a:lnRef>
+          <a:fillRef idx="1">
+            <a:schemeClr val="accent1"/>
+          </a:fillRef>
+          <a:effectRef idx="0">
+            <a:schemeClr val="accent1"/>
+          </a:effectRef>
+          <a:fontRef idx="minor">
+            <a:schemeClr val="lt1"/>
+          </a:fontRef>
+        </p:style>
+        <p:txBody>
+          <a:bodyPr rtlCol="0" anchor="ctr"/>
+          <a:lstStyle/>
+          <a:p>
+            <a:pPr algn="ctr"/>
+            <a:endParaRPr lang="en-US" dirty="0">
+              <a:solidFill>
+                <a:schemeClr val="tx1"/>
+              </a:solidFill>
+            </a:endParaRPr>
+          </a:p>
+        </p:txBody>
+      </p:sp>
+      <p:sp>
+        <p:nvSpPr>
+          <p:cNvPr id="10" name="Seta: Divisa 9">
+            <a:extLst>
+              <a:ext uri="{FF2B5EF4-FFF2-40B4-BE49-F238E27FC236}">
+                <a16:creationId xmlns:a16="http://schemas.microsoft.com/office/drawing/2014/main" id="{DF5D24D6-851B-1DAE-5A94-35E0ADA1497B}"/>
+              </a:ext>
+            </a:extLst>
+          </p:cNvPr>
+          <p:cNvSpPr/>
+          <p:nvPr/>
+        </p:nvSpPr>
+        <p:spPr>
+          <a:xfrm>
+            <a:off x="4363454" y="-96252"/>
+            <a:ext cx="12448674" cy="7010400"/>
+          </a:xfrm>
+          <a:prstGeom prst="chevron">
+            <a:avLst/>
+          </a:prstGeom>
+          <a:solidFill>
+            <a:schemeClr val="tx2">
+              <a:lumMod val="90000"/>
+              <a:lumOff val="10000"/>
+            </a:schemeClr>
+          </a:solidFill>
+          <a:ln>
+            <a:noFill/>
+          </a:ln>
+        </p:spPr>
+        <p:style>
+          <a:lnRef idx="2">
+            <a:schemeClr val="accent1">
+              <a:shade val="15000"/>
+            </a:schemeClr>
+          </a:lnRef>
+          <a:fillRef idx="1">
+            <a:schemeClr val="accent1"/>
+          </a:fillRef>
+          <a:effectRef idx="0">
+            <a:schemeClr val="accent1"/>
+          </a:effectRef>
+          <a:fontRef idx="minor">
+            <a:schemeClr val="lt1"/>
+          </a:fontRef>
+        </p:style>
+        <p:txBody>
+          <a:bodyPr rtlCol="0" anchor="ctr"/>
+          <a:lstStyle/>
+          <a:p>
+            <a:pPr algn="ctr"/>
+            <a:endParaRPr lang="en-US" dirty="0">
+              <a:solidFill>
+                <a:schemeClr val="tx1"/>
+              </a:solidFill>
+            </a:endParaRPr>
+          </a:p>
+        </p:txBody>
+      </p:sp>
+      <p:pic>
+        <p:nvPicPr>
+          <p:cNvPr id="3" name="Gráfico 2" descr="Processador estrutura de tópicos">
+            <a:extLst>
+              <a:ext uri="{FF2B5EF4-FFF2-40B4-BE49-F238E27FC236}">
+                <a16:creationId xmlns:a16="http://schemas.microsoft.com/office/drawing/2014/main" id="{6C9AEF8D-08A2-B5C6-6C63-ED19C466C8E0}"/>
+              </a:ext>
+            </a:extLst>
+          </p:cNvPr>
+          <p:cNvPicPr>
+            <a:picLocks noChangeAspect="1"/>
+          </p:cNvPicPr>
+          <p:nvPr/>
+        </p:nvPicPr>
+        <p:blipFill>
+          <a:blip r:embed="rId2">
+            <a:extLst>
+              <a:ext uri="{96DAC541-7B7A-43D3-8B79-37D633B846F1}">
+                <asvg:svgBlip xmlns:asvg="http://schemas.microsoft.com/office/drawing/2016/SVG/main" r:embed="rId3"/>
+              </a:ext>
+            </a:extLst>
+          </a:blip>
+          <a:stretch>
+            <a:fillRect/>
+          </a:stretch>
+        </p:blipFill>
+        <p:spPr>
+          <a:xfrm>
+            <a:off x="731883" y="1559614"/>
+            <a:ext cx="3730752" cy="3730752"/>
+          </a:xfrm>
+          <a:prstGeom prst="rect">
+            <a:avLst/>
+          </a:prstGeom>
+        </p:spPr>
+      </p:pic>
     </p:spTree>
     <p:extLst>
       <p:ext uri="{BB962C8B-B14F-4D97-AF65-F5344CB8AC3E}">
-        <p14:creationId xmlns:p14="http://schemas.microsoft.com/office/powerpoint/2010/main" val="943122179"/>
+        <p14:creationId xmlns:p14="http://schemas.microsoft.com/office/powerpoint/2010/main" val="785663748"/>
+      </p:ext>
+    </p:extLst>
+  </p:cSld>
+  <p:clrMapOvr>
+    <a:masterClrMapping/>
+  </p:clrMapOvr>
+</p:sld>
+</file>
+
+<file path=ppt/slides/slide3.xml><?xml version="1.0" encoding="utf-8"?>
+<p:sld xmlns:a="http://schemas.openxmlformats.org/drawingml/2006/main" xmlns:r="http://schemas.openxmlformats.org/officeDocument/2006/relationships" xmlns:p="http://schemas.openxmlformats.org/presentationml/2006/main">
+  <p:cSld>
+    <p:spTree>
+      <p:nvGrpSpPr>
+        <p:cNvPr id="1" name="">
+          <a:extLst>
+            <a:ext uri="{FF2B5EF4-FFF2-40B4-BE49-F238E27FC236}">
+              <a16:creationId xmlns:a16="http://schemas.microsoft.com/office/drawing/2014/main" id="{57011D83-96BB-F3FA-645F-4FD6395F221C}"/>
+            </a:ext>
+          </a:extLst>
+        </p:cNvPr>
+        <p:cNvGrpSpPr/>
+        <p:nvPr/>
+      </p:nvGrpSpPr>
+      <p:grpSpPr>
+        <a:xfrm>
+          <a:off x="0" y="0"/>
+          <a:ext cx="0" cy="0"/>
+          <a:chOff x="0" y="0"/>
+          <a:chExt cx="0" cy="0"/>
+        </a:xfrm>
+      </p:grpSpPr>
+      <p:sp>
+        <p:nvSpPr>
+          <p:cNvPr id="4" name="Retângulo 3">
+            <a:extLst>
+              <a:ext uri="{FF2B5EF4-FFF2-40B4-BE49-F238E27FC236}">
+                <a16:creationId xmlns:a16="http://schemas.microsoft.com/office/drawing/2014/main" id="{45A718FF-E9DD-9E5B-1225-7C34A4A8500E}"/>
+              </a:ext>
+            </a:extLst>
+          </p:cNvPr>
+          <p:cNvSpPr/>
+          <p:nvPr/>
+        </p:nvSpPr>
+        <p:spPr>
+          <a:xfrm>
+            <a:off x="0" y="0"/>
+            <a:ext cx="12192000" cy="6858000"/>
+          </a:xfrm>
+          <a:prstGeom prst="rect">
+            <a:avLst/>
+          </a:prstGeom>
+          <a:solidFill>
+            <a:srgbClr val="AEAEAE"/>
+          </a:solidFill>
+          <a:ln>
+            <a:noFill/>
+          </a:ln>
+        </p:spPr>
+        <p:style>
+          <a:lnRef idx="2">
+            <a:schemeClr val="accent1">
+              <a:shade val="15000"/>
+            </a:schemeClr>
+          </a:lnRef>
+          <a:fillRef idx="1">
+            <a:schemeClr val="accent1"/>
+          </a:fillRef>
+          <a:effectRef idx="0">
+            <a:schemeClr val="accent1"/>
+          </a:effectRef>
+          <a:fontRef idx="minor">
+            <a:schemeClr val="lt1"/>
+          </a:fontRef>
+        </p:style>
+        <p:txBody>
+          <a:bodyPr rtlCol="0" anchor="ctr"/>
+          <a:lstStyle/>
+          <a:p>
+            <a:pPr algn="ctr"/>
+            <a:endParaRPr lang="en-US" dirty="0"/>
+          </a:p>
+        </p:txBody>
+      </p:sp>
+      <p:sp>
+        <p:nvSpPr>
+          <p:cNvPr id="5" name="Seta: Divisa 4">
+            <a:extLst>
+              <a:ext uri="{FF2B5EF4-FFF2-40B4-BE49-F238E27FC236}">
+                <a16:creationId xmlns:a16="http://schemas.microsoft.com/office/drawing/2014/main" id="{A1B5F74D-5CA6-3445-E017-468FF8A7C2CE}"/>
+              </a:ext>
+            </a:extLst>
+          </p:cNvPr>
+          <p:cNvSpPr/>
+          <p:nvPr/>
+        </p:nvSpPr>
+        <p:spPr>
+          <a:xfrm>
+            <a:off x="2919665" y="-76200"/>
+            <a:ext cx="12448674" cy="7010400"/>
+          </a:xfrm>
+          <a:prstGeom prst="chevron">
+            <a:avLst/>
+          </a:prstGeom>
+          <a:solidFill>
+            <a:schemeClr val="accent3">
+              <a:lumMod val="50000"/>
+            </a:schemeClr>
+          </a:solidFill>
+          <a:ln>
+            <a:noFill/>
+          </a:ln>
+        </p:spPr>
+        <p:style>
+          <a:lnRef idx="2">
+            <a:schemeClr val="accent1">
+              <a:shade val="15000"/>
+            </a:schemeClr>
+          </a:lnRef>
+          <a:fillRef idx="1">
+            <a:schemeClr val="accent1"/>
+          </a:fillRef>
+          <a:effectRef idx="0">
+            <a:schemeClr val="accent1"/>
+          </a:effectRef>
+          <a:fontRef idx="minor">
+            <a:schemeClr val="lt1"/>
+          </a:fontRef>
+        </p:style>
+        <p:txBody>
+          <a:bodyPr rtlCol="0" anchor="ctr"/>
+          <a:lstStyle/>
+          <a:p>
+            <a:pPr algn="ctr"/>
+            <a:endParaRPr lang="en-US" dirty="0">
+              <a:solidFill>
+                <a:schemeClr val="tx1"/>
+              </a:solidFill>
+            </a:endParaRPr>
+          </a:p>
+        </p:txBody>
+      </p:sp>
+      <p:sp>
+        <p:nvSpPr>
+          <p:cNvPr id="9" name="Seta: Divisa 8">
+            <a:extLst>
+              <a:ext uri="{FF2B5EF4-FFF2-40B4-BE49-F238E27FC236}">
+                <a16:creationId xmlns:a16="http://schemas.microsoft.com/office/drawing/2014/main" id="{7BC74BC6-7D65-7969-E74C-8FAA819627EB}"/>
+              </a:ext>
+            </a:extLst>
+          </p:cNvPr>
+          <p:cNvSpPr/>
+          <p:nvPr/>
+        </p:nvSpPr>
+        <p:spPr>
+          <a:xfrm>
+            <a:off x="3879059" y="-80210"/>
+            <a:ext cx="12448674" cy="7010400"/>
+          </a:xfrm>
+          <a:prstGeom prst="chevron">
+            <a:avLst/>
+          </a:prstGeom>
+          <a:solidFill>
+            <a:srgbClr val="AEAEAE"/>
+          </a:solidFill>
+          <a:ln>
+            <a:noFill/>
+          </a:ln>
+        </p:spPr>
+        <p:style>
+          <a:lnRef idx="2">
+            <a:schemeClr val="accent1">
+              <a:shade val="15000"/>
+            </a:schemeClr>
+          </a:lnRef>
+          <a:fillRef idx="1">
+            <a:schemeClr val="accent1"/>
+          </a:fillRef>
+          <a:effectRef idx="0">
+            <a:schemeClr val="accent1"/>
+          </a:effectRef>
+          <a:fontRef idx="minor">
+            <a:schemeClr val="lt1"/>
+          </a:fontRef>
+        </p:style>
+        <p:txBody>
+          <a:bodyPr rtlCol="0" anchor="ctr"/>
+          <a:lstStyle/>
+          <a:p>
+            <a:pPr algn="ctr"/>
+            <a:endParaRPr lang="en-US" dirty="0">
+              <a:solidFill>
+                <a:schemeClr val="tx1"/>
+              </a:solidFill>
+            </a:endParaRPr>
+          </a:p>
+        </p:txBody>
+      </p:sp>
+      <p:sp>
+        <p:nvSpPr>
+          <p:cNvPr id="10" name="Seta: Divisa 9">
+            <a:extLst>
+              <a:ext uri="{FF2B5EF4-FFF2-40B4-BE49-F238E27FC236}">
+                <a16:creationId xmlns:a16="http://schemas.microsoft.com/office/drawing/2014/main" id="{25EF9DC9-DB5E-40C2-BCC5-B40431CAF822}"/>
+              </a:ext>
+            </a:extLst>
+          </p:cNvPr>
+          <p:cNvSpPr/>
+          <p:nvPr/>
+        </p:nvSpPr>
+        <p:spPr>
+          <a:xfrm>
+            <a:off x="4363454" y="-96252"/>
+            <a:ext cx="12448674" cy="7010400"/>
+          </a:xfrm>
+          <a:prstGeom prst="chevron">
+            <a:avLst/>
+          </a:prstGeom>
+          <a:solidFill>
+            <a:srgbClr val="0D3512"/>
+          </a:solidFill>
+          <a:ln>
+            <a:noFill/>
+          </a:ln>
+        </p:spPr>
+        <p:style>
+          <a:lnRef idx="2">
+            <a:schemeClr val="accent1">
+              <a:shade val="15000"/>
+            </a:schemeClr>
+          </a:lnRef>
+          <a:fillRef idx="1">
+            <a:schemeClr val="accent1"/>
+          </a:fillRef>
+          <a:effectRef idx="0">
+            <a:schemeClr val="accent1"/>
+          </a:effectRef>
+          <a:fontRef idx="minor">
+            <a:schemeClr val="lt1"/>
+          </a:fontRef>
+        </p:style>
+        <p:txBody>
+          <a:bodyPr rtlCol="0" anchor="ctr"/>
+          <a:lstStyle/>
+          <a:p>
+            <a:pPr algn="ctr"/>
+            <a:endParaRPr lang="en-US" dirty="0">
+              <a:solidFill>
+                <a:schemeClr val="tx1"/>
+              </a:solidFill>
+            </a:endParaRPr>
+          </a:p>
+        </p:txBody>
+      </p:sp>
+      <p:pic>
+        <p:nvPicPr>
+          <p:cNvPr id="3" name="Gráfico 2" descr="Computação em Nuvem estrutura de tópicos">
+            <a:extLst>
+              <a:ext uri="{FF2B5EF4-FFF2-40B4-BE49-F238E27FC236}">
+                <a16:creationId xmlns:a16="http://schemas.microsoft.com/office/drawing/2014/main" id="{BFF91CB3-2E5B-AB88-518D-4E1C84D44ABC}"/>
+              </a:ext>
+            </a:extLst>
+          </p:cNvPr>
+          <p:cNvPicPr>
+            <a:picLocks noChangeAspect="1"/>
+          </p:cNvPicPr>
+          <p:nvPr/>
+        </p:nvPicPr>
+        <p:blipFill>
+          <a:blip r:embed="rId2">
+            <a:extLst>
+              <a:ext uri="{96DAC541-7B7A-43D3-8B79-37D633B846F1}">
+                <asvg:svgBlip xmlns:asvg="http://schemas.microsoft.com/office/drawing/2016/SVG/main" r:embed="rId3"/>
+              </a:ext>
+            </a:extLst>
+          </a:blip>
+          <a:stretch>
+            <a:fillRect/>
+          </a:stretch>
+        </p:blipFill>
+        <p:spPr>
+          <a:xfrm>
+            <a:off x="1054289" y="1559614"/>
+            <a:ext cx="3730752" cy="3730752"/>
+          </a:xfrm>
+          <a:prstGeom prst="rect">
+            <a:avLst/>
+          </a:prstGeom>
+        </p:spPr>
+      </p:pic>
+    </p:spTree>
+    <p:extLst>
+      <p:ext uri="{BB962C8B-B14F-4D97-AF65-F5344CB8AC3E}">
+        <p14:creationId xmlns:p14="http://schemas.microsoft.com/office/powerpoint/2010/main" val="1834964772"/>
       </p:ext>
     </p:extLst>
   </p:cSld>
